--- a/Model_organization.pptx
+++ b/Model_organization.pptx
@@ -194,7 +194,7 @@
           <a:p>
             <a:fld id="{E292291B-D4B1-5941-810B-2099B375D7CB}" type="datetimeFigureOut">
               <a:rPr lang="en-US" smtClean="0"/>
-              <a:t>8/16/18</a:t>
+              <a:t>12/7/18</a:t>
             </a:fld>
             <a:endParaRPr lang="en-US"/>
           </a:p>
@@ -689,7 +689,7 @@
           <a:p>
             <a:fld id="{96D498EF-1A09-714C-84BE-93F9C94DC2D1}" type="datetimeFigureOut">
               <a:rPr lang="en-US" smtClean="0"/>
-              <a:t>8/16/18</a:t>
+              <a:t>12/7/18</a:t>
             </a:fld>
             <a:endParaRPr lang="en-US"/>
           </a:p>
@@ -859,7 +859,7 @@
           <a:p>
             <a:fld id="{96D498EF-1A09-714C-84BE-93F9C94DC2D1}" type="datetimeFigureOut">
               <a:rPr lang="en-US" smtClean="0"/>
-              <a:t>8/16/18</a:t>
+              <a:t>12/7/18</a:t>
             </a:fld>
             <a:endParaRPr lang="en-US"/>
           </a:p>
@@ -1039,7 +1039,7 @@
           <a:p>
             <a:fld id="{96D498EF-1A09-714C-84BE-93F9C94DC2D1}" type="datetimeFigureOut">
               <a:rPr lang="en-US" smtClean="0"/>
-              <a:t>8/16/18</a:t>
+              <a:t>12/7/18</a:t>
             </a:fld>
             <a:endParaRPr lang="en-US"/>
           </a:p>
@@ -1209,7 +1209,7 @@
           <a:p>
             <a:fld id="{96D498EF-1A09-714C-84BE-93F9C94DC2D1}" type="datetimeFigureOut">
               <a:rPr lang="en-US" smtClean="0"/>
-              <a:t>8/16/18</a:t>
+              <a:t>12/7/18</a:t>
             </a:fld>
             <a:endParaRPr lang="en-US"/>
           </a:p>
@@ -1455,7 +1455,7 @@
           <a:p>
             <a:fld id="{96D498EF-1A09-714C-84BE-93F9C94DC2D1}" type="datetimeFigureOut">
               <a:rPr lang="en-US" smtClean="0"/>
-              <a:t>8/16/18</a:t>
+              <a:t>12/7/18</a:t>
             </a:fld>
             <a:endParaRPr lang="en-US"/>
           </a:p>
@@ -1743,7 +1743,7 @@
           <a:p>
             <a:fld id="{96D498EF-1A09-714C-84BE-93F9C94DC2D1}" type="datetimeFigureOut">
               <a:rPr lang="en-US" smtClean="0"/>
-              <a:t>8/16/18</a:t>
+              <a:t>12/7/18</a:t>
             </a:fld>
             <a:endParaRPr lang="en-US"/>
           </a:p>
@@ -2165,7 +2165,7 @@
           <a:p>
             <a:fld id="{96D498EF-1A09-714C-84BE-93F9C94DC2D1}" type="datetimeFigureOut">
               <a:rPr lang="en-US" smtClean="0"/>
-              <a:t>8/16/18</a:t>
+              <a:t>12/7/18</a:t>
             </a:fld>
             <a:endParaRPr lang="en-US"/>
           </a:p>
@@ -2283,7 +2283,7 @@
           <a:p>
             <a:fld id="{96D498EF-1A09-714C-84BE-93F9C94DC2D1}" type="datetimeFigureOut">
               <a:rPr lang="en-US" smtClean="0"/>
-              <a:t>8/16/18</a:t>
+              <a:t>12/7/18</a:t>
             </a:fld>
             <a:endParaRPr lang="en-US"/>
           </a:p>
@@ -2378,7 +2378,7 @@
           <a:p>
             <a:fld id="{96D498EF-1A09-714C-84BE-93F9C94DC2D1}" type="datetimeFigureOut">
               <a:rPr lang="en-US" smtClean="0"/>
-              <a:t>8/16/18</a:t>
+              <a:t>12/7/18</a:t>
             </a:fld>
             <a:endParaRPr lang="en-US"/>
           </a:p>
@@ -2655,7 +2655,7 @@
           <a:p>
             <a:fld id="{96D498EF-1A09-714C-84BE-93F9C94DC2D1}" type="datetimeFigureOut">
               <a:rPr lang="en-US" smtClean="0"/>
-              <a:t>8/16/18</a:t>
+              <a:t>12/7/18</a:t>
             </a:fld>
             <a:endParaRPr lang="en-US"/>
           </a:p>
@@ -2908,7 +2908,7 @@
           <a:p>
             <a:fld id="{96D498EF-1A09-714C-84BE-93F9C94DC2D1}" type="datetimeFigureOut">
               <a:rPr lang="en-US" smtClean="0"/>
-              <a:t>8/16/18</a:t>
+              <a:t>12/7/18</a:t>
             </a:fld>
             <a:endParaRPr lang="en-US"/>
           </a:p>
@@ -3121,7 +3121,7 @@
           <a:p>
             <a:fld id="{96D498EF-1A09-714C-84BE-93F9C94DC2D1}" type="datetimeFigureOut">
               <a:rPr lang="en-US" smtClean="0"/>
-              <a:t>8/16/18</a:t>
+              <a:t>12/7/18</a:t>
             </a:fld>
             <a:endParaRPr lang="en-US"/>
           </a:p>
@@ -3513,11 +3513,7 @@
           <a:p>
             <a:r>
               <a:rPr lang="en-US" dirty="0" smtClean="0"/>
-              <a:t>ELMv1-BeTR-</a:t>
-            </a:r>
-            <a:r>
-              <a:rPr lang="en-US" dirty="0" smtClean="0"/>
-              <a:t>ReSOM</a:t>
+              <a:t>ELMv1-BeTR-ReSOM</a:t>
             </a:r>
             <a:endParaRPr lang="en-US" dirty="0"/>
           </a:p>
@@ -3601,11 +3597,7 @@
           <a:p>
             <a:r>
               <a:rPr lang="en-US" dirty="0" smtClean="0"/>
-              <a:t>Replaces </a:t>
-            </a:r>
-            <a:r>
-              <a:rPr lang="en-US" dirty="0" smtClean="0"/>
-              <a:t>Century with </a:t>
+              <a:t>Replaces Century with </a:t>
             </a:r>
             <a:r>
               <a:rPr lang="en-US" dirty="0" err="1" smtClean="0"/>
